--- a/Documentacion/Ejemplo Grafico de las apps.pptx
+++ b/Documentacion/Ejemplo Grafico de las apps.pptx
@@ -1308,7 +1308,7 @@
           <a:p>
             <a:fld id="{CF19886F-3235-4F41-8962-0A0D053E476F}" type="datetimeFigureOut">
               <a:rPr lang="es-ES" smtClean="0"/>
-              <a:t>28/04/2021</a:t>
+              <a:t>02/05/2021</a:t>
             </a:fld>
             <a:endParaRPr lang="es-ES"/>
           </a:p>
@@ -1506,7 +1506,7 @@
           <a:p>
             <a:fld id="{CF19886F-3235-4F41-8962-0A0D053E476F}" type="datetimeFigureOut">
               <a:rPr lang="es-ES" smtClean="0"/>
-              <a:t>28/04/2021</a:t>
+              <a:t>02/05/2021</a:t>
             </a:fld>
             <a:endParaRPr lang="es-ES"/>
           </a:p>
@@ -1714,7 +1714,7 @@
           <a:p>
             <a:fld id="{CF19886F-3235-4F41-8962-0A0D053E476F}" type="datetimeFigureOut">
               <a:rPr lang="es-ES" smtClean="0"/>
-              <a:t>28/04/2021</a:t>
+              <a:t>02/05/2021</a:t>
             </a:fld>
             <a:endParaRPr lang="es-ES"/>
           </a:p>
@@ -1912,7 +1912,7 @@
           <a:p>
             <a:fld id="{CF19886F-3235-4F41-8962-0A0D053E476F}" type="datetimeFigureOut">
               <a:rPr lang="es-ES" smtClean="0"/>
-              <a:t>28/04/2021</a:t>
+              <a:t>02/05/2021</a:t>
             </a:fld>
             <a:endParaRPr lang="es-ES"/>
           </a:p>
@@ -2187,7 +2187,7 @@
           <a:p>
             <a:fld id="{CF19886F-3235-4F41-8962-0A0D053E476F}" type="datetimeFigureOut">
               <a:rPr lang="es-ES" smtClean="0"/>
-              <a:t>28/04/2021</a:t>
+              <a:t>02/05/2021</a:t>
             </a:fld>
             <a:endParaRPr lang="es-ES"/>
           </a:p>
@@ -2452,7 +2452,7 @@
           <a:p>
             <a:fld id="{CF19886F-3235-4F41-8962-0A0D053E476F}" type="datetimeFigureOut">
               <a:rPr lang="es-ES" smtClean="0"/>
-              <a:t>28/04/2021</a:t>
+              <a:t>02/05/2021</a:t>
             </a:fld>
             <a:endParaRPr lang="es-ES"/>
           </a:p>
@@ -2864,7 +2864,7 @@
           <a:p>
             <a:fld id="{CF19886F-3235-4F41-8962-0A0D053E476F}" type="datetimeFigureOut">
               <a:rPr lang="es-ES" smtClean="0"/>
-              <a:t>28/04/2021</a:t>
+              <a:t>02/05/2021</a:t>
             </a:fld>
             <a:endParaRPr lang="es-ES"/>
           </a:p>
@@ -3005,7 +3005,7 @@
           <a:p>
             <a:fld id="{CF19886F-3235-4F41-8962-0A0D053E476F}" type="datetimeFigureOut">
               <a:rPr lang="es-ES" smtClean="0"/>
-              <a:t>28/04/2021</a:t>
+              <a:t>02/05/2021</a:t>
             </a:fld>
             <a:endParaRPr lang="es-ES"/>
           </a:p>
@@ -3118,7 +3118,7 @@
           <a:p>
             <a:fld id="{CF19886F-3235-4F41-8962-0A0D053E476F}" type="datetimeFigureOut">
               <a:rPr lang="es-ES" smtClean="0"/>
-              <a:t>28/04/2021</a:t>
+              <a:t>02/05/2021</a:t>
             </a:fld>
             <a:endParaRPr lang="es-ES"/>
           </a:p>
@@ -3429,7 +3429,7 @@
           <a:p>
             <a:fld id="{CF19886F-3235-4F41-8962-0A0D053E476F}" type="datetimeFigureOut">
               <a:rPr lang="es-ES" smtClean="0"/>
-              <a:t>28/04/2021</a:t>
+              <a:t>02/05/2021</a:t>
             </a:fld>
             <a:endParaRPr lang="es-ES"/>
           </a:p>
@@ -3717,7 +3717,7 @@
           <a:p>
             <a:fld id="{CF19886F-3235-4F41-8962-0A0D053E476F}" type="datetimeFigureOut">
               <a:rPr lang="es-ES" smtClean="0"/>
-              <a:t>28/04/2021</a:t>
+              <a:t>02/05/2021</a:t>
             </a:fld>
             <a:endParaRPr lang="es-ES"/>
           </a:p>
@@ -3971,7 +3971,7 @@
           <a:p>
             <a:fld id="{CF19886F-3235-4F41-8962-0A0D053E476F}" type="datetimeFigureOut">
               <a:rPr lang="es-ES" smtClean="0"/>
-              <a:t>28/04/2021</a:t>
+              <a:t>02/05/2021</a:t>
             </a:fld>
             <a:endParaRPr lang="es-ES"/>
           </a:p>

--- a/Documentacion/Ejemplo Grafico de las apps.pptx
+++ b/Documentacion/Ejemplo Grafico de las apps.pptx
@@ -1308,7 +1308,7 @@
           <a:p>
             <a:fld id="{CF19886F-3235-4F41-8962-0A0D053E476F}" type="datetimeFigureOut">
               <a:rPr lang="es-ES" smtClean="0"/>
-              <a:t>28/04/2021</a:t>
+              <a:t>09/05/2021</a:t>
             </a:fld>
             <a:endParaRPr lang="es-ES"/>
           </a:p>
@@ -1506,7 +1506,7 @@
           <a:p>
             <a:fld id="{CF19886F-3235-4F41-8962-0A0D053E476F}" type="datetimeFigureOut">
               <a:rPr lang="es-ES" smtClean="0"/>
-              <a:t>28/04/2021</a:t>
+              <a:t>09/05/2021</a:t>
             </a:fld>
             <a:endParaRPr lang="es-ES"/>
           </a:p>
@@ -1714,7 +1714,7 @@
           <a:p>
             <a:fld id="{CF19886F-3235-4F41-8962-0A0D053E476F}" type="datetimeFigureOut">
               <a:rPr lang="es-ES" smtClean="0"/>
-              <a:t>28/04/2021</a:t>
+              <a:t>09/05/2021</a:t>
             </a:fld>
             <a:endParaRPr lang="es-ES"/>
           </a:p>
@@ -1912,7 +1912,7 @@
           <a:p>
             <a:fld id="{CF19886F-3235-4F41-8962-0A0D053E476F}" type="datetimeFigureOut">
               <a:rPr lang="es-ES" smtClean="0"/>
-              <a:t>28/04/2021</a:t>
+              <a:t>09/05/2021</a:t>
             </a:fld>
             <a:endParaRPr lang="es-ES"/>
           </a:p>
@@ -2187,7 +2187,7 @@
           <a:p>
             <a:fld id="{CF19886F-3235-4F41-8962-0A0D053E476F}" type="datetimeFigureOut">
               <a:rPr lang="es-ES" smtClean="0"/>
-              <a:t>28/04/2021</a:t>
+              <a:t>09/05/2021</a:t>
             </a:fld>
             <a:endParaRPr lang="es-ES"/>
           </a:p>
@@ -2452,7 +2452,7 @@
           <a:p>
             <a:fld id="{CF19886F-3235-4F41-8962-0A0D053E476F}" type="datetimeFigureOut">
               <a:rPr lang="es-ES" smtClean="0"/>
-              <a:t>28/04/2021</a:t>
+              <a:t>09/05/2021</a:t>
             </a:fld>
             <a:endParaRPr lang="es-ES"/>
           </a:p>
@@ -2864,7 +2864,7 @@
           <a:p>
             <a:fld id="{CF19886F-3235-4F41-8962-0A0D053E476F}" type="datetimeFigureOut">
               <a:rPr lang="es-ES" smtClean="0"/>
-              <a:t>28/04/2021</a:t>
+              <a:t>09/05/2021</a:t>
             </a:fld>
             <a:endParaRPr lang="es-ES"/>
           </a:p>
@@ -3005,7 +3005,7 @@
           <a:p>
             <a:fld id="{CF19886F-3235-4F41-8962-0A0D053E476F}" type="datetimeFigureOut">
               <a:rPr lang="es-ES" smtClean="0"/>
-              <a:t>28/04/2021</a:t>
+              <a:t>09/05/2021</a:t>
             </a:fld>
             <a:endParaRPr lang="es-ES"/>
           </a:p>
@@ -3118,7 +3118,7 @@
           <a:p>
             <a:fld id="{CF19886F-3235-4F41-8962-0A0D053E476F}" type="datetimeFigureOut">
               <a:rPr lang="es-ES" smtClean="0"/>
-              <a:t>28/04/2021</a:t>
+              <a:t>09/05/2021</a:t>
             </a:fld>
             <a:endParaRPr lang="es-ES"/>
           </a:p>
@@ -3429,7 +3429,7 @@
           <a:p>
             <a:fld id="{CF19886F-3235-4F41-8962-0A0D053E476F}" type="datetimeFigureOut">
               <a:rPr lang="es-ES" smtClean="0"/>
-              <a:t>28/04/2021</a:t>
+              <a:t>09/05/2021</a:t>
             </a:fld>
             <a:endParaRPr lang="es-ES"/>
           </a:p>
@@ -3717,7 +3717,7 @@
           <a:p>
             <a:fld id="{CF19886F-3235-4F41-8962-0A0D053E476F}" type="datetimeFigureOut">
               <a:rPr lang="es-ES" smtClean="0"/>
-              <a:t>28/04/2021</a:t>
+              <a:t>09/05/2021</a:t>
             </a:fld>
             <a:endParaRPr lang="es-ES"/>
           </a:p>
@@ -3971,7 +3971,7 @@
           <a:p>
             <a:fld id="{CF19886F-3235-4F41-8962-0A0D053E476F}" type="datetimeFigureOut">
               <a:rPr lang="es-ES" smtClean="0"/>
-              <a:t>28/04/2021</a:t>
+              <a:t>09/05/2021</a:t>
             </a:fld>
             <a:endParaRPr lang="es-ES"/>
           </a:p>
@@ -5254,6 +5254,41 @@
           </a:p>
         </p:txBody>
       </p:sp>
+      <p:pic>
+        <p:nvPicPr>
+          <p:cNvPr id="20" name="Imagen 19" descr="Diagrama&#10;&#10;Descripción generada automáticamente">
+            <a:extLst>
+              <a:ext uri="{FF2B5EF4-FFF2-40B4-BE49-F238E27FC236}">
+                <a16:creationId xmlns:a16="http://schemas.microsoft.com/office/drawing/2014/main" id="{FE927770-A570-49D0-B1BA-0A73B0A027AE}"/>
+              </a:ext>
+            </a:extLst>
+          </p:cNvPr>
+          <p:cNvPicPr>
+            <a:picLocks noChangeAspect="1"/>
+          </p:cNvPicPr>
+          <p:nvPr/>
+        </p:nvPicPr>
+        <p:blipFill rotWithShape="1">
+          <a:blip r:embed="rId3">
+            <a:extLst>
+              <a:ext uri="{28A0092B-C50C-407E-A947-70E740481C1C}">
+                <a14:useLocalDpi xmlns:a14="http://schemas.microsoft.com/office/drawing/2010/main" val="0"/>
+              </a:ext>
+            </a:extLst>
+          </a:blip>
+          <a:srcRect l="8528" t="22338" r="12120" b="21212"/>
+          <a:stretch/>
+        </p:blipFill>
+        <p:spPr>
+          <a:xfrm>
+            <a:off x="1720545" y="2386943"/>
+            <a:ext cx="3065727" cy="3084652"/>
+          </a:xfrm>
+          <a:prstGeom prst="ellipse">
+            <a:avLst/>
+          </a:prstGeom>
+        </p:spPr>
+      </p:pic>
     </p:spTree>
     <p:extLst>
       <p:ext uri="{BB962C8B-B14F-4D97-AF65-F5344CB8AC3E}">
